--- a/introduction-to-r/results/v04-slides-and-speaker-notes.pptx
+++ b/introduction-to-r/results/v04-slides-and-speaker-notes.pptx
@@ -22192,7 +22192,7 @@
               <a:rPr>
                 <a:latin typeface="Courier"/>
               </a:rPr>
-              <a:t>## [1] "R version 4.1.2 (2021-11-01)"</a:t>
+              <a:t>## [1] "R version 4.1.1 (2021-08-10)"</a:t>
             </a:r>
           </a:p>
           <a:p>
@@ -22223,7 +22223,7 @@
               <a:rPr>
                 <a:latin typeface="Courier"/>
               </a:rPr>
-              <a:t>## [1] "2022-03-08"</a:t>
+              <a:t>## [1] "2022-03-16"</a:t>
             </a:r>
           </a:p>
         </p:txBody>
@@ -27317,7 +27317,7 @@
               <a:rPr>
                 <a:latin typeface="Courier"/>
               </a:rPr>
-              <a:t> </a:t>
+              <a:t>  </a:t>
             </a:r>
             <a:r>
               <a:rPr>
@@ -27384,7 +27384,7 @@
               <a:rPr>
                 <a:latin typeface="Courier"/>
               </a:rPr>
-              <a:t>Age</a:t>
+              <a:t>Age </a:t>
             </a:r>
             <a:r>
               <a:rPr>
@@ -27397,6 +27397,12 @@
             </a:r>
             <a:r>
               <a:rPr>
+                <a:latin typeface="Courier"/>
+              </a:rPr>
+              <a:t>  </a:t>
+            </a:r>
+            <a:r>
+              <a:rPr>
                 <a:solidFill>
                   <a:srgbClr val="40A070"/>
                 </a:solidFill>
@@ -27408,7 +27414,7 @@
               <a:rPr>
                 <a:latin typeface="Courier"/>
               </a:rPr>
-              <a:t>     </a:t>
+              <a:t>    </a:t>
             </a:r>
             <a:r>
               <a:rPr>
@@ -27460,7 +27466,7 @@
               <a:rPr>
                 <a:latin typeface="Courier"/>
               </a:rPr>
-              <a:t>Age</a:t>
+              <a:t>Age </a:t>
             </a:r>
             <a:r>
               <a:rPr>
@@ -27470,6 +27476,12 @@
                 <a:latin typeface="Courier"/>
               </a:rPr>
               <a:t>&gt;=</a:t>
+            </a:r>
+            <a:r>
+              <a:rPr>
+                <a:latin typeface="Courier"/>
+              </a:rPr>
+              <a:t> </a:t>
             </a:r>
             <a:r>
               <a:rPr>
@@ -28327,74 +28339,6 @@
                 <a:latin typeface="Courier"/>
               </a:rPr>
               <a:t>)</a:t>
-            </a:r>
-            <a:br/>
-            <a:r>
-              <a:rPr>
-                <a:solidFill>
-                  <a:srgbClr val="06287E"/>
-                </a:solidFill>
-                <a:latin typeface="Courier"/>
-              </a:rPr>
-              <a:t>table</a:t>
-            </a:r>
-            <a:r>
-              <a:rPr>
-                <a:latin typeface="Courier"/>
-              </a:rPr>
-              <a:t>(ti</a:t>
-            </a:r>
-            <a:r>
-              <a:rPr>
-                <a:solidFill>
-                  <a:srgbClr val="4070A0"/>
-                </a:solidFill>
-                <a:latin typeface="Courier"/>
-              </a:rPr>
-              <a:t>$</a:t>
-            </a:r>
-            <a:r>
-              <a:rPr>
-                <a:latin typeface="Courier"/>
-              </a:rPr>
-              <a:t>lower_class, </a:t>
-            </a:r>
-            <a:r>
-              <a:rPr>
-                <a:solidFill>
-                  <a:srgbClr val="7D9029"/>
-                </a:solidFill>
-                <a:latin typeface="Courier"/>
-              </a:rPr>
-              <a:t>useNA=</a:t>
-            </a:r>
-            <a:r>
-              <a:rPr>
-                <a:solidFill>
-                  <a:srgbClr val="4070A0"/>
-                </a:solidFill>
-                <a:latin typeface="Courier"/>
-              </a:rPr>
-              <a:t>"always"</a:t>
-            </a:r>
-            <a:r>
-              <a:rPr>
-                <a:latin typeface="Courier"/>
-              </a:rPr>
-              <a:t>)</a:t>
-            </a:r>
-          </a:p>
-          <a:p>
-            <a:pPr lvl="0" indent="0">
-              <a:buNone/>
-            </a:pPr>
-            <a:r>
-              <a:rPr>
-                <a:latin typeface="Courier"/>
-              </a:rPr>
-              <a:t>## 
-##   No  Yes &lt;NA&gt; 
-##  322  991    0</a:t>
             </a:r>
           </a:p>
         </p:txBody>

--- a/introduction-to-r/results/v04-slides-and-speaker-notes.pptx
+++ b/introduction-to-r/results/v04-slides-and-speaker-notes.pptx
@@ -16365,142 +16365,6 @@
               <a:rPr/>
               <a:t>seems.</a:t>
             </a:r>
-            <a:r>
-              <a:rPr/>
-              <a:t> </a:t>
-            </a:r>
-            <a:r>
-              <a:rPr/>
-              <a:t>The</a:t>
-            </a:r>
-            <a:r>
-              <a:rPr/>
-              <a:t> </a:t>
-            </a:r>
-            <a:r>
-              <a:rPr/>
-              <a:t>first</a:t>
-            </a:r>
-            <a:r>
-              <a:rPr/>
-              <a:t> </a:t>
-            </a:r>
-            <a:r>
-              <a:rPr/>
-              <a:t>few</a:t>
-            </a:r>
-            <a:r>
-              <a:rPr/>
-              <a:t> </a:t>
-            </a:r>
-            <a:r>
-              <a:rPr/>
-              <a:t>lines</a:t>
-            </a:r>
-            <a:r>
-              <a:rPr/>
-              <a:t> </a:t>
-            </a:r>
-            <a:r>
-              <a:rPr/>
-              <a:t>of</a:t>
-            </a:r>
-            <a:r>
-              <a:rPr/>
-              <a:t> </a:t>
-            </a:r>
-            <a:r>
-              <a:rPr/>
-              <a:t>data</a:t>
-            </a:r>
-            <a:r>
-              <a:rPr/>
-              <a:t> </a:t>
-            </a:r>
-            <a:r>
-              <a:rPr/>
-              <a:t>are</a:t>
-            </a:r>
-            <a:r>
-              <a:rPr/>
-              <a:t> </a:t>
-            </a:r>
-            <a:r>
-              <a:rPr/>
-              <a:t>hard</a:t>
-            </a:r>
-            <a:r>
-              <a:rPr/>
-              <a:t> </a:t>
-            </a:r>
-            <a:r>
-              <a:rPr/>
-              <a:t>to</a:t>
-            </a:r>
-            <a:r>
-              <a:rPr/>
-              <a:t> </a:t>
-            </a:r>
-            <a:r>
-              <a:rPr/>
-              <a:t>read</a:t>
-            </a:r>
-            <a:r>
-              <a:rPr/>
-              <a:t> </a:t>
-            </a:r>
-            <a:r>
-              <a:rPr/>
-              <a:t>because</a:t>
-            </a:r>
-            <a:r>
-              <a:rPr/>
-              <a:t> </a:t>
-            </a:r>
-            <a:r>
-              <a:rPr/>
-              <a:t>the</a:t>
-            </a:r>
-            <a:r>
-              <a:rPr/>
-              <a:t> </a:t>
-            </a:r>
-            <a:r>
-              <a:rPr/>
-              <a:t>passenger</a:t>
-            </a:r>
-            <a:r>
-              <a:rPr/>
-              <a:t> </a:t>
-            </a:r>
-            <a:r>
-              <a:rPr/>
-              <a:t>names</a:t>
-            </a:r>
-            <a:r>
-              <a:rPr/>
-              <a:t> </a:t>
-            </a:r>
-            <a:r>
-              <a:rPr/>
-              <a:t>are</a:t>
-            </a:r>
-            <a:r>
-              <a:rPr/>
-              <a:t> </a:t>
-            </a:r>
-            <a:r>
-              <a:rPr/>
-              <a:t>so</a:t>
-            </a:r>
-            <a:r>
-              <a:rPr/>
-              <a:t> </a:t>
-            </a:r>
-            <a:r>
-              <a:rPr/>
-              <a:t>long.</a:t>
-            </a:r>
           </a:p>
         </p:txBody>
       </p:sp>
@@ -16579,62 +16443,6 @@
             <a:pPr lvl="0" marL="0" indent="0">
               <a:buNone/>
             </a:pPr>
-            <a:r>
-              <a:rPr/>
-              <a:t>It</a:t>
-            </a:r>
-            <a:r>
-              <a:rPr/>
-              <a:t> </a:t>
-            </a:r>
-            <a:r>
-              <a:rPr/>
-              <a:t>reads</a:t>
-            </a:r>
-            <a:r>
-              <a:rPr/>
-              <a:t> </a:t>
-            </a:r>
-            <a:r>
-              <a:rPr/>
-              <a:t>in</a:t>
-            </a:r>
-            <a:r>
-              <a:rPr/>
-              <a:t> </a:t>
-            </a:r>
-            <a:r>
-              <a:rPr/>
-              <a:t>fairly</a:t>
-            </a:r>
-            <a:r>
-              <a:rPr/>
-              <a:t> </a:t>
-            </a:r>
-            <a:r>
-              <a:rPr/>
-              <a:t>well,</a:t>
-            </a:r>
-            <a:r>
-              <a:rPr/>
-              <a:t> </a:t>
-            </a:r>
-            <a:r>
-              <a:rPr/>
-              <a:t>it</a:t>
-            </a:r>
-            <a:r>
-              <a:rPr/>
-              <a:t> </a:t>
-            </a:r>
-            <a:r>
-              <a:rPr/>
-              <a:t>seems.</a:t>
-            </a:r>
-            <a:r>
-              <a:rPr/>
-              <a:t> </a:t>
-            </a:r>
             <a:r>
               <a:rPr/>
               <a:t>The</a:t>
@@ -21040,7 +20848,16 @@
                 </a:solidFill>
                 <a:latin typeface="Courier"/>
               </a:rPr>
-              <a:t>"Name"</a:t>
+              <a:t>-</a:t>
+            </a:r>
+            <a:r>
+              <a:rPr>
+                <a:solidFill>
+                  <a:srgbClr val="40A070"/>
+                </a:solidFill>
+                <a:latin typeface="Courier"/>
+              </a:rPr>
+              <a:t>1</a:t>
             </a:r>
             <a:r>
               <a:rPr>
@@ -21057,10 +20874,10 @@
               <a:rPr>
                 <a:latin typeface="Courier"/>
               </a:rPr>
-              <a:t>## # A tibble: 1 x 1
-##   Name                                  
-##   &lt;chr&gt;                                 
-## 1 Dean, Miss Elizabeth Gladys (Millvena)</a:t>
+              <a:t>## # A tibble: 1 x 4
+##   PClass   Age Sex    Survived
+##   &lt;chr&gt;  &lt;dbl&gt; &lt;chr&gt;     &lt;dbl&gt;
+## 1 3rd     0.17 female        1</a:t>
             </a:r>
           </a:p>
         </p:txBody>
@@ -21205,7 +21022,16 @@
                 </a:solidFill>
                 <a:latin typeface="Courier"/>
               </a:rPr>
-              <a:t>"Name"</a:t>
+              <a:t>-</a:t>
+            </a:r>
+            <a:r>
+              <a:rPr>
+                <a:solidFill>
+                  <a:srgbClr val="40A070"/>
+                </a:solidFill>
+                <a:latin typeface="Courier"/>
+              </a:rPr>
+              <a:t>1</a:t>
             </a:r>
             <a:r>
               <a:rPr>
@@ -21222,10 +21048,10 @@
               <a:rPr>
                 <a:latin typeface="Courier"/>
               </a:rPr>
-              <a:t>## # A tibble: 1 x 1
-##   Name                  
-##   &lt;chr&gt;                 
-## 1 Artagaveytia, Mr Ramon</a:t>
+              <a:t>## # A tibble: 1 x 4
+##   PClass   Age Sex   Survived
+##   &lt;chr&gt;  &lt;dbl&gt; &lt;chr&gt;    &lt;dbl&gt;
+## 1 1st       71 male         0</a:t>
             </a:r>
           </a:p>
         </p:txBody>
@@ -22223,7 +22049,7 @@
               <a:rPr>
                 <a:latin typeface="Courier"/>
               </a:rPr>
-              <a:t>## [1] "2022-03-16"</a:t>
+              <a:t>## [1] "2022-04-15"</a:t>
             </a:r>
           </a:p>
         </p:txBody>
